--- a/Calendario2022/presentaciones/10_Matrices.pptx
+++ b/Calendario2022/presentaciones/10_Matrices.pptx
@@ -233,7 +233,7 @@
           <a:p>
             <a:fld id="{9CE7A054-6D4F-4ED4-B3E7-62AC408CF793}" type="datetimeFigureOut">
               <a:rPr lang="es-MX" smtClean="0"/>
-              <a:t>12/10/2021</a:t>
+              <a:t>04/04/2022</a:t>
             </a:fld>
             <a:endParaRPr lang="es-MX"/>
           </a:p>
@@ -1354,7 +1354,7 @@
           <a:p>
             <a:fld id="{05B1B184-8162-40A9-BCCC-182276235E4C}" type="datetimeFigureOut">
               <a:rPr lang="es-MX" smtClean="0"/>
-              <a:t>12/10/2021</a:t>
+              <a:t>04/04/2022</a:t>
             </a:fld>
             <a:endParaRPr lang="es-MX"/>
           </a:p>
@@ -1524,7 +1524,7 @@
           <a:p>
             <a:fld id="{05B1B184-8162-40A9-BCCC-182276235E4C}" type="datetimeFigureOut">
               <a:rPr lang="es-MX" smtClean="0"/>
-              <a:t>12/10/2021</a:t>
+              <a:t>04/04/2022</a:t>
             </a:fld>
             <a:endParaRPr lang="es-MX"/>
           </a:p>
@@ -1704,7 +1704,7 @@
           <a:p>
             <a:fld id="{05B1B184-8162-40A9-BCCC-182276235E4C}" type="datetimeFigureOut">
               <a:rPr lang="es-MX" smtClean="0"/>
-              <a:t>12/10/2021</a:t>
+              <a:t>04/04/2022</a:t>
             </a:fld>
             <a:endParaRPr lang="es-MX"/>
           </a:p>
@@ -1857,7 +1857,7 @@
           <a:p>
             <a:fld id="{1D8BD707-D9CF-40AE-B4C6-C98DA3205C09}" type="datetimeFigureOut">
               <a:rPr lang="en-US" smtClean="0"/>
-              <a:t>10/12/2021</a:t>
+              <a:t>4/4/2022</a:t>
             </a:fld>
             <a:endParaRPr lang="en-US"/>
           </a:p>
@@ -2017,7 +2017,7 @@
           <a:p>
             <a:fld id="{05B1B184-8162-40A9-BCCC-182276235E4C}" type="datetimeFigureOut">
               <a:rPr lang="es-MX" smtClean="0"/>
-              <a:t>12/10/2021</a:t>
+              <a:t>04/04/2022</a:t>
             </a:fld>
             <a:endParaRPr lang="es-MX"/>
           </a:p>
@@ -2263,7 +2263,7 @@
           <a:p>
             <a:fld id="{05B1B184-8162-40A9-BCCC-182276235E4C}" type="datetimeFigureOut">
               <a:rPr lang="es-MX" smtClean="0"/>
-              <a:t>12/10/2021</a:t>
+              <a:t>04/04/2022</a:t>
             </a:fld>
             <a:endParaRPr lang="es-MX"/>
           </a:p>
@@ -2551,7 +2551,7 @@
           <a:p>
             <a:fld id="{05B1B184-8162-40A9-BCCC-182276235E4C}" type="datetimeFigureOut">
               <a:rPr lang="es-MX" smtClean="0"/>
-              <a:t>12/10/2021</a:t>
+              <a:t>04/04/2022</a:t>
             </a:fld>
             <a:endParaRPr lang="es-MX"/>
           </a:p>
@@ -2973,7 +2973,7 @@
           <a:p>
             <a:fld id="{05B1B184-8162-40A9-BCCC-182276235E4C}" type="datetimeFigureOut">
               <a:rPr lang="es-MX" smtClean="0"/>
-              <a:t>12/10/2021</a:t>
+              <a:t>04/04/2022</a:t>
             </a:fld>
             <a:endParaRPr lang="es-MX"/>
           </a:p>
@@ -3091,7 +3091,7 @@
           <a:p>
             <a:fld id="{05B1B184-8162-40A9-BCCC-182276235E4C}" type="datetimeFigureOut">
               <a:rPr lang="es-MX" smtClean="0"/>
-              <a:t>12/10/2021</a:t>
+              <a:t>04/04/2022</a:t>
             </a:fld>
             <a:endParaRPr lang="es-MX"/>
           </a:p>
@@ -3186,7 +3186,7 @@
           <a:p>
             <a:fld id="{05B1B184-8162-40A9-BCCC-182276235E4C}" type="datetimeFigureOut">
               <a:rPr lang="es-MX" smtClean="0"/>
-              <a:t>12/10/2021</a:t>
+              <a:t>04/04/2022</a:t>
             </a:fld>
             <a:endParaRPr lang="es-MX"/>
           </a:p>
@@ -3463,7 +3463,7 @@
           <a:p>
             <a:fld id="{05B1B184-8162-40A9-BCCC-182276235E4C}" type="datetimeFigureOut">
               <a:rPr lang="es-MX" smtClean="0"/>
-              <a:t>12/10/2021</a:t>
+              <a:t>04/04/2022</a:t>
             </a:fld>
             <a:endParaRPr lang="es-MX"/>
           </a:p>
@@ -3716,7 +3716,7 @@
           <a:p>
             <a:fld id="{05B1B184-8162-40A9-BCCC-182276235E4C}" type="datetimeFigureOut">
               <a:rPr lang="es-MX" smtClean="0"/>
-              <a:t>12/10/2021</a:t>
+              <a:t>04/04/2022</a:t>
             </a:fld>
             <a:endParaRPr lang="es-MX"/>
           </a:p>
@@ -3929,7 +3929,7 @@
           <a:p>
             <a:fld id="{05B1B184-8162-40A9-BCCC-182276235E4C}" type="datetimeFigureOut">
               <a:rPr lang="es-MX" smtClean="0"/>
-              <a:t>12/10/2021</a:t>
+              <a:t>04/04/2022</a:t>
             </a:fld>
             <a:endParaRPr lang="es-MX"/>
           </a:p>
@@ -15061,7 +15061,7 @@
         </p:nvSpPr>
         <p:spPr>
           <a:xfrm>
-            <a:off x="1539081" y="35180"/>
+            <a:off x="1539081" y="188640"/>
             <a:ext cx="6065838" cy="1143000"/>
           </a:xfrm>
         </p:spPr>
@@ -15105,8 +15105,8 @@
         </p:nvSpPr>
         <p:spPr>
           <a:xfrm>
-            <a:off x="0" y="1178180"/>
-            <a:ext cx="8964488" cy="5364596"/>
+            <a:off x="899592" y="1331640"/>
+            <a:ext cx="7560840" cy="5121696"/>
           </a:xfrm>
         </p:spPr>
         <p:txBody>
@@ -15115,7 +15115,7 @@
           </a:bodyPr>
           <a:lstStyle/>
           <a:p>
-            <a:pPr lvl="1" algn="just">
+            <a:pPr algn="just">
               <a:lnSpc>
                 <a:spcPct val="150000"/>
               </a:lnSpc>
@@ -15125,7 +15125,7 @@
               <a:buNone/>
             </a:pPr>
             <a:r>
-              <a:rPr lang="es-MX" sz="2000" b="1" dirty="0">
+              <a:rPr lang="es-MX" sz="1800" b="1" dirty="0">
                 <a:solidFill>
                   <a:srgbClr val="0070C0"/>
                 </a:solidFill>
@@ -15136,7 +15136,7 @@
             </a:r>
           </a:p>
           <a:p>
-            <a:pPr lvl="1" algn="just">
+            <a:pPr algn="just">
               <a:lnSpc>
                 <a:spcPct val="150000"/>
               </a:lnSpc>
@@ -15146,7 +15146,7 @@
               <a:buNone/>
             </a:pPr>
             <a:r>
-              <a:rPr lang="es-MX" sz="2000" b="1" dirty="0" err="1">
+              <a:rPr lang="es-MX" sz="1800" b="1" dirty="0" err="1">
                 <a:solidFill>
                   <a:srgbClr val="0070C0"/>
                 </a:solidFill>
@@ -15156,7 +15156,7 @@
               <a:t>print</a:t>
             </a:r>
             <a:r>
-              <a:rPr lang="es-MX" sz="2000" b="1" dirty="0">
+              <a:rPr lang="es-MX" sz="1800" b="1" dirty="0">
                 <a:solidFill>
                   <a:srgbClr val="0070C0"/>
                 </a:solidFill>
@@ -15167,7 +15167,7 @@
             </a:r>
           </a:p>
           <a:p>
-            <a:pPr lvl="1" algn="just">
+            <a:pPr algn="just">
               <a:lnSpc>
                 <a:spcPct val="150000"/>
               </a:lnSpc>
@@ -15177,7 +15177,7 @@
               <a:buNone/>
             </a:pPr>
             <a:r>
-              <a:rPr lang="es-MX" sz="2000" b="1" dirty="0" err="1">
+              <a:rPr lang="es-MX" sz="1800" b="1" dirty="0" err="1">
                 <a:solidFill>
                   <a:srgbClr val="0070C0"/>
                 </a:solidFill>
@@ -15187,7 +15187,7 @@
               <a:t>print</a:t>
             </a:r>
             <a:r>
-              <a:rPr lang="es-MX" sz="2000" b="1" dirty="0">
+              <a:rPr lang="es-MX" sz="1800" b="1" dirty="0">
                 <a:solidFill>
                   <a:srgbClr val="0070C0"/>
                 </a:solidFill>
@@ -15198,7 +15198,7 @@
             </a:r>
           </a:p>
           <a:p>
-            <a:pPr marL="457200" lvl="1" indent="0" algn="just">
+            <a:pPr algn="just">
               <a:lnSpc>
                 <a:spcPct val="150000"/>
               </a:lnSpc>
@@ -15207,58 +15207,16 @@
               </a:spcBef>
               <a:buNone/>
             </a:pPr>
-            <a:r>
-              <a:rPr lang="es-MX" sz="2000" dirty="0">
-                <a:latin typeface="Arial" pitchFamily="34" charset="0"/>
-                <a:cs typeface="Arial" pitchFamily="34" charset="0"/>
-              </a:rPr>
-              <a:t>El primer elemento de </a:t>
-            </a:r>
-            <a:r>
-              <a:rPr lang="es-MX" sz="2000" b="1" dirty="0">
-                <a:latin typeface="Arial" pitchFamily="34" charset="0"/>
-                <a:cs typeface="Arial" pitchFamily="34" charset="0"/>
-              </a:rPr>
-              <a:t>a</a:t>
-            </a:r>
-            <a:r>
-              <a:rPr lang="es-MX" sz="2000" dirty="0">
-                <a:latin typeface="Arial" pitchFamily="34" charset="0"/>
-                <a:cs typeface="Arial" pitchFamily="34" charset="0"/>
-              </a:rPr>
-              <a:t> aquí - </a:t>
-            </a:r>
-            <a:r>
-              <a:rPr lang="es-MX" sz="2000" b="1" dirty="0">
-                <a:latin typeface="Arial" pitchFamily="34" charset="0"/>
-                <a:cs typeface="Arial" pitchFamily="34" charset="0"/>
-              </a:rPr>
-              <a:t>a[0]</a:t>
-            </a:r>
-            <a:r>
-              <a:rPr lang="es-MX" sz="2000" dirty="0">
-                <a:latin typeface="Arial" pitchFamily="34" charset="0"/>
-                <a:cs typeface="Arial" pitchFamily="34" charset="0"/>
-              </a:rPr>
-              <a:t> - es una lista de números </a:t>
-            </a:r>
-            <a:r>
-              <a:rPr lang="es-MX" sz="2000" b="1" dirty="0">
-                <a:latin typeface="Arial" pitchFamily="34" charset="0"/>
-                <a:cs typeface="Arial" pitchFamily="34" charset="0"/>
-              </a:rPr>
-              <a:t>[1, 2, 3]</a:t>
-            </a:r>
-            <a:r>
-              <a:rPr lang="es-MX" sz="2000" dirty="0">
-                <a:latin typeface="Arial" pitchFamily="34" charset="0"/>
-                <a:cs typeface="Arial" pitchFamily="34" charset="0"/>
-              </a:rPr>
-              <a:t> . </a:t>
-            </a:r>
+            <a:endParaRPr lang="es-MX" sz="1100" b="1" dirty="0">
+              <a:solidFill>
+                <a:srgbClr val="0070C0"/>
+              </a:solidFill>
+              <a:latin typeface="Arial" pitchFamily="34" charset="0"/>
+              <a:cs typeface="Arial" pitchFamily="34" charset="0"/>
+            </a:endParaRPr>
           </a:p>
           <a:p>
-            <a:pPr marL="457200" lvl="1" indent="0" algn="just">
+            <a:pPr marL="57150" indent="0" algn="just">
               <a:lnSpc>
                 <a:spcPct val="150000"/>
               </a:lnSpc>
@@ -15268,57 +15226,57 @@
               <a:buNone/>
             </a:pPr>
             <a:r>
-              <a:rPr lang="es-MX" sz="2000" dirty="0">
+              <a:rPr lang="es-MX" sz="1800" dirty="0">
                 <a:latin typeface="Arial" pitchFamily="34" charset="0"/>
                 <a:cs typeface="Arial" pitchFamily="34" charset="0"/>
               </a:rPr>
-              <a:t>El segundo elemento de </a:t>
-            </a:r>
-            <a:r>
-              <a:rPr lang="es-MX" sz="2000" b="1" dirty="0">
+              <a:t>El primer elemento de </a:t>
+            </a:r>
+            <a:r>
+              <a:rPr lang="es-MX" sz="1800" b="1" dirty="0">
                 <a:latin typeface="Arial" pitchFamily="34" charset="0"/>
                 <a:cs typeface="Arial" pitchFamily="34" charset="0"/>
               </a:rPr>
               <a:t>a</a:t>
             </a:r>
             <a:r>
-              <a:rPr lang="es-MX" sz="2000" dirty="0">
+              <a:rPr lang="es-MX" sz="1800" dirty="0">
                 <a:latin typeface="Arial" pitchFamily="34" charset="0"/>
                 <a:cs typeface="Arial" pitchFamily="34" charset="0"/>
               </a:rPr>
               <a:t> aquí - </a:t>
             </a:r>
             <a:r>
-              <a:rPr lang="es-MX" sz="2000" b="1" dirty="0">
+              <a:rPr lang="es-MX" sz="1800" b="1" dirty="0">
                 <a:latin typeface="Arial" pitchFamily="34" charset="0"/>
                 <a:cs typeface="Arial" pitchFamily="34" charset="0"/>
               </a:rPr>
-              <a:t>a[1]</a:t>
-            </a:r>
-            <a:r>
-              <a:rPr lang="es-MX" sz="2000" dirty="0">
+              <a:t>a[0]</a:t>
+            </a:r>
+            <a:r>
+              <a:rPr lang="es-MX" sz="1800" dirty="0">
                 <a:latin typeface="Arial" pitchFamily="34" charset="0"/>
                 <a:cs typeface="Arial" pitchFamily="34" charset="0"/>
               </a:rPr>
-              <a:t> - es otra lista de números </a:t>
-            </a:r>
-            <a:r>
-              <a:rPr lang="es-MX" sz="2000" b="1" dirty="0">
+              <a:t> - es una lista de números </a:t>
+            </a:r>
+            <a:r>
+              <a:rPr lang="es-MX" sz="1800" b="1" dirty="0">
                 <a:latin typeface="Arial" pitchFamily="34" charset="0"/>
                 <a:cs typeface="Arial" pitchFamily="34" charset="0"/>
               </a:rPr>
-              <a:t>[4, 5, 6]</a:t>
-            </a:r>
-            <a:r>
-              <a:rPr lang="es-MX" sz="2000" dirty="0">
+              <a:t>[1, 2, 3]</a:t>
+            </a:r>
+            <a:r>
+              <a:rPr lang="es-MX" sz="1800" dirty="0">
                 <a:latin typeface="Arial" pitchFamily="34" charset="0"/>
                 <a:cs typeface="Arial" pitchFamily="34" charset="0"/>
               </a:rPr>
-              <a:t> . </a:t>
+              <a:t>  </a:t>
             </a:r>
           </a:p>
           <a:p>
-            <a:pPr marL="457200" lvl="1" indent="0" algn="just">
+            <a:pPr marL="57150" indent="0" algn="just">
               <a:lnSpc>
                 <a:spcPct val="150000"/>
               </a:lnSpc>
@@ -15328,29 +15286,57 @@
               <a:buNone/>
             </a:pPr>
             <a:r>
-              <a:rPr lang="es-MX" sz="2000" dirty="0">
+              <a:rPr lang="es-MX" sz="1800" dirty="0">
                 <a:latin typeface="Arial" pitchFamily="34" charset="0"/>
                 <a:cs typeface="Arial" pitchFamily="34" charset="0"/>
               </a:rPr>
-              <a:t>El primer elemento de esta nueva lista es </a:t>
-            </a:r>
-            <a:r>
-              <a:rPr lang="es-MX" sz="2000" b="1" dirty="0">
+              <a:t>El segundo elemento de </a:t>
+            </a:r>
+            <a:r>
+              <a:rPr lang="es-MX" sz="1800" b="1" dirty="0">
                 <a:latin typeface="Arial" pitchFamily="34" charset="0"/>
                 <a:cs typeface="Arial" pitchFamily="34" charset="0"/>
               </a:rPr>
-              <a:t>a[0][0] == 1</a:t>
-            </a:r>
-            <a:r>
-              <a:rPr lang="es-MX" sz="2000" dirty="0">
+              <a:t>a</a:t>
+            </a:r>
+            <a:r>
+              <a:rPr lang="es-MX" sz="1800" dirty="0">
                 <a:latin typeface="Arial" pitchFamily="34" charset="0"/>
                 <a:cs typeface="Arial" pitchFamily="34" charset="0"/>
               </a:rPr>
-              <a:t>; además:</a:t>
+              <a:t> aquí - </a:t>
+            </a:r>
+            <a:r>
+              <a:rPr lang="es-MX" sz="1800" b="1" dirty="0">
+                <a:latin typeface="Arial" pitchFamily="34" charset="0"/>
+                <a:cs typeface="Arial" pitchFamily="34" charset="0"/>
+              </a:rPr>
+              <a:t>a[1]</a:t>
+            </a:r>
+            <a:r>
+              <a:rPr lang="es-MX" sz="1800" dirty="0">
+                <a:latin typeface="Arial" pitchFamily="34" charset="0"/>
+                <a:cs typeface="Arial" pitchFamily="34" charset="0"/>
+              </a:rPr>
+              <a:t> - es otra lista de números </a:t>
+            </a:r>
+            <a:r>
+              <a:rPr lang="es-MX" sz="1800" b="1" dirty="0">
+                <a:latin typeface="Arial" pitchFamily="34" charset="0"/>
+                <a:cs typeface="Arial" pitchFamily="34" charset="0"/>
+              </a:rPr>
+              <a:t>[4, 5, 6]</a:t>
+            </a:r>
+            <a:r>
+              <a:rPr lang="es-MX" sz="1800" dirty="0">
+                <a:latin typeface="Arial" pitchFamily="34" charset="0"/>
+                <a:cs typeface="Arial" pitchFamily="34" charset="0"/>
+              </a:rPr>
+              <a:t> </a:t>
             </a:r>
           </a:p>
           <a:p>
-            <a:pPr marL="457200" lvl="1" indent="0" algn="just">
+            <a:pPr marL="57150" indent="0" algn="just">
               <a:lnSpc>
                 <a:spcPct val="150000"/>
               </a:lnSpc>
@@ -15360,22 +15346,29 @@
               <a:buNone/>
             </a:pPr>
             <a:r>
-              <a:rPr lang="es-MX" sz="2000" b="1" dirty="0">
+              <a:rPr lang="es-MX" sz="1800" dirty="0">
                 <a:latin typeface="Arial" pitchFamily="34" charset="0"/>
                 <a:cs typeface="Arial" pitchFamily="34" charset="0"/>
               </a:rPr>
-              <a:t>a[0][1] == 2</a:t>
-            </a:r>
-            <a:r>
-              <a:rPr lang="es-MX" sz="2000" dirty="0">
+              <a:t>El primer elemento de esta nueva lista es </a:t>
+            </a:r>
+            <a:r>
+              <a:rPr lang="es-MX" sz="1800" b="1" dirty="0">
                 <a:latin typeface="Arial" pitchFamily="34" charset="0"/>
                 <a:cs typeface="Arial" pitchFamily="34" charset="0"/>
               </a:rPr>
-              <a:t> </a:t>
+              <a:t>a[0][0] = 1</a:t>
+            </a:r>
+            <a:r>
+              <a:rPr lang="es-MX" sz="1800" dirty="0">
+                <a:latin typeface="Arial" pitchFamily="34" charset="0"/>
+                <a:cs typeface="Arial" pitchFamily="34" charset="0"/>
+              </a:rPr>
+              <a:t> además:</a:t>
             </a:r>
           </a:p>
           <a:p>
-            <a:pPr marL="457200" lvl="1" indent="0" algn="just">
+            <a:pPr marL="57150" indent="0" algn="just">
               <a:lnSpc>
                 <a:spcPct val="150000"/>
               </a:lnSpc>
@@ -15385,15 +15378,22 @@
               <a:buNone/>
             </a:pPr>
             <a:r>
-              <a:rPr lang="es-MX" sz="2000" b="1" dirty="0">
+              <a:rPr lang="es-MX" sz="1800" b="1" dirty="0">
                 <a:latin typeface="Arial" pitchFamily="34" charset="0"/>
                 <a:cs typeface="Arial" pitchFamily="34" charset="0"/>
               </a:rPr>
-              <a:t>a[0][2] == 3</a:t>
+              <a:t>a[0][1] = 2</a:t>
+            </a:r>
+            <a:r>
+              <a:rPr lang="es-MX" sz="1800" dirty="0">
+                <a:latin typeface="Arial" pitchFamily="34" charset="0"/>
+                <a:cs typeface="Arial" pitchFamily="34" charset="0"/>
+              </a:rPr>
+              <a:t> </a:t>
             </a:r>
           </a:p>
           <a:p>
-            <a:pPr marL="457200" lvl="1" indent="0" algn="just">
+            <a:pPr marL="57150" indent="0" algn="just">
               <a:lnSpc>
                 <a:spcPct val="150000"/>
               </a:lnSpc>
@@ -15403,15 +15403,15 @@
               <a:buNone/>
             </a:pPr>
             <a:r>
-              <a:rPr lang="es-MX" sz="2000" b="1" dirty="0">
+              <a:rPr lang="es-MX" sz="1800" b="1" dirty="0">
                 <a:latin typeface="Arial" pitchFamily="34" charset="0"/>
                 <a:cs typeface="Arial" pitchFamily="34" charset="0"/>
               </a:rPr>
-              <a:t>a[1][0] == 4 </a:t>
+              <a:t>a[0][2] = 3</a:t>
             </a:r>
           </a:p>
           <a:p>
-            <a:pPr marL="457200" lvl="1" indent="0" algn="just">
+            <a:pPr marL="57150" indent="0" algn="just">
               <a:lnSpc>
                 <a:spcPct val="150000"/>
               </a:lnSpc>
@@ -15421,15 +15421,15 @@
               <a:buNone/>
             </a:pPr>
             <a:r>
-              <a:rPr lang="es-MX" sz="2000" b="1" dirty="0">
+              <a:rPr lang="es-MX" sz="1800" b="1" dirty="0">
                 <a:latin typeface="Arial" pitchFamily="34" charset="0"/>
                 <a:cs typeface="Arial" pitchFamily="34" charset="0"/>
               </a:rPr>
-              <a:t>a[1][1] == 5</a:t>
+              <a:t>a[1][0] = 4 </a:t>
             </a:r>
           </a:p>
           <a:p>
-            <a:pPr marL="457200" lvl="1" indent="0" algn="just">
+            <a:pPr marL="57150" indent="0" algn="just">
               <a:lnSpc>
                 <a:spcPct val="150000"/>
               </a:lnSpc>
@@ -15439,11 +15439,29 @@
               <a:buNone/>
             </a:pPr>
             <a:r>
-              <a:rPr lang="es-MX" sz="2000" b="1" dirty="0">
+              <a:rPr lang="es-MX" sz="1800" b="1" dirty="0">
                 <a:latin typeface="Arial" pitchFamily="34" charset="0"/>
                 <a:cs typeface="Arial" pitchFamily="34" charset="0"/>
               </a:rPr>
-              <a:t>a[1][2] == 6</a:t>
+              <a:t>a[1][1] = 5</a:t>
+            </a:r>
+          </a:p>
+          <a:p>
+            <a:pPr marL="57150" indent="0" algn="just">
+              <a:lnSpc>
+                <a:spcPct val="150000"/>
+              </a:lnSpc>
+              <a:spcBef>
+                <a:spcPct val="0"/>
+              </a:spcBef>
+              <a:buNone/>
+            </a:pPr>
+            <a:r>
+              <a:rPr lang="es-MX" sz="1800" b="1" dirty="0">
+                <a:latin typeface="Arial" pitchFamily="34" charset="0"/>
+                <a:cs typeface="Arial" pitchFamily="34" charset="0"/>
+              </a:rPr>
+              <a:t>a[1][2] = 6</a:t>
             </a:r>
           </a:p>
         </p:txBody>
@@ -18016,7 +18034,7 @@
         </p:nvSpPr>
         <p:spPr bwMode="auto">
           <a:xfrm>
-            <a:off x="1259632" y="227867"/>
+            <a:off x="1259632" y="237257"/>
             <a:ext cx="6624736" cy="1006301"/>
           </a:xfrm>
           <a:prstGeom prst="rect">
